--- a/Docs/Slay the spire GUI Midterm.pptx
+++ b/Docs/Slay the spire GUI Midterm.pptx
@@ -206,7 +206,7 @@
           <a:p>
             <a:fld id="{4ADB1B9D-5FD8-46B1-A173-F00497598741}" type="datetimeFigureOut">
               <a:rPr lang="en-US" smtClean="0"/>
-              <a:t>3/16/2021</a:t>
+              <a:t>3/19/2021</a:t>
             </a:fld>
             <a:endParaRPr lang="en-US" dirty="0"/>
           </a:p>
@@ -716,7 +716,7 @@
           <a:p>
             <a:fld id="{63442AB9-C8CA-420F-B42A-18C2D699071B}" type="datetime1">
               <a:rPr lang="en-US" smtClean="0"/>
-              <a:t>3/16/2021</a:t>
+              <a:t>3/19/2021</a:t>
             </a:fld>
             <a:endParaRPr lang="en-US" dirty="0"/>
           </a:p>
@@ -972,7 +972,7 @@
           <a:p>
             <a:fld id="{D61DFFBC-BDEB-417F-BF84-663A45C20646}" type="datetime1">
               <a:rPr lang="en-US" smtClean="0"/>
-              <a:t>3/16/2021</a:t>
+              <a:t>3/19/2021</a:t>
             </a:fld>
             <a:endParaRPr lang="en-US" dirty="0"/>
           </a:p>
@@ -1201,7 +1201,7 @@
           <a:p>
             <a:fld id="{D8071AC1-DFE2-4CEB-A839-7F430962ACC4}" type="datetime1">
               <a:rPr lang="en-US" smtClean="0"/>
-              <a:t>3/16/2021</a:t>
+              <a:t>3/19/2021</a:t>
             </a:fld>
             <a:endParaRPr lang="en-US" dirty="0"/>
           </a:p>
@@ -1435,7 +1435,7 @@
           <a:p>
             <a:fld id="{8E2F9C0F-A549-4116-ADE7-EA08C05540C8}" type="datetime1">
               <a:rPr lang="en-US" smtClean="0"/>
-              <a:t>3/16/2021</a:t>
+              <a:t>3/19/2021</a:t>
             </a:fld>
             <a:endParaRPr lang="en-US" dirty="0"/>
           </a:p>
@@ -1737,7 +1737,7 @@
           <a:p>
             <a:fld id="{7C9EEE4F-EA2D-4584-9DE7-EC300D9E7B04}" type="datetime1">
               <a:rPr lang="en-US" smtClean="0"/>
-              <a:t>3/16/2021</a:t>
+              <a:t>3/19/2021</a:t>
             </a:fld>
             <a:endParaRPr lang="en-US" dirty="0"/>
           </a:p>
@@ -2032,7 +2032,7 @@
           <a:p>
             <a:fld id="{34EBE59C-38C6-435B-909F-6BC5D2F90092}" type="datetime1">
               <a:rPr lang="en-US" smtClean="0"/>
-              <a:t>3/16/2021</a:t>
+              <a:t>3/19/2021</a:t>
             </a:fld>
             <a:endParaRPr lang="en-US" dirty="0"/>
           </a:p>
@@ -2447,7 +2447,7 @@
           <a:p>
             <a:fld id="{894B3F88-5DA5-47A3-A95A-FEF6AF43E84E}" type="datetime1">
               <a:rPr lang="en-US" smtClean="0"/>
-              <a:t>3/16/2021</a:t>
+              <a:t>3/19/2021</a:t>
             </a:fld>
             <a:endParaRPr lang="en-US" dirty="0"/>
           </a:p>
@@ -2604,7 +2604,7 @@
           <a:p>
             <a:fld id="{A0BB3716-29F6-49DE-A213-3937CA580F20}" type="datetime1">
               <a:rPr lang="en-US" smtClean="0"/>
-              <a:t>3/16/2021</a:t>
+              <a:t>3/19/2021</a:t>
             </a:fld>
             <a:endParaRPr lang="en-US" dirty="0"/>
           </a:p>
@@ -2695,7 +2695,7 @@
           <a:p>
             <a:fld id="{BA1B02A8-9935-43BE-936D-943169608636}" type="datetime1">
               <a:rPr lang="en-US" smtClean="0"/>
-              <a:t>3/16/2021</a:t>
+              <a:t>3/19/2021</a:t>
             </a:fld>
             <a:endParaRPr lang="en-US" dirty="0"/>
           </a:p>
@@ -3067,7 +3067,7 @@
           <a:p>
             <a:fld id="{3518B405-B3F7-4586-BE59-DF6DE834F5F3}" type="datetime1">
               <a:rPr lang="en-US" smtClean="0"/>
-              <a:t>3/16/2021</a:t>
+              <a:t>3/19/2021</a:t>
             </a:fld>
             <a:endParaRPr lang="en-US" dirty="0"/>
           </a:p>
@@ -3351,7 +3351,7 @@
           <a:p>
             <a:fld id="{09376EAD-3739-455C-929C-D58B69B73424}" type="datetime1">
               <a:rPr lang="en-US" smtClean="0"/>
-              <a:t>3/16/2021</a:t>
+              <a:t>3/19/2021</a:t>
             </a:fld>
             <a:endParaRPr lang="en-US" dirty="0"/>
           </a:p>
@@ -3556,7 +3556,7 @@
           <a:p>
             <a:fld id="{EDBAC8D9-C124-4B74-9CB9-474FDD0AD4C5}" type="datetime1">
               <a:rPr lang="en-US" smtClean="0"/>
-              <a:t>3/16/2021</a:t>
+              <a:t>3/19/2021</a:t>
             </a:fld>
             <a:endParaRPr lang="en-US" dirty="0"/>
           </a:p>
@@ -4423,7 +4423,7 @@
                   <a:srgbClr val="FFFFFF"/>
                 </a:solidFill>
               </a:rPr>
-              <a:t>Slay the spire GUI</a:t>
+              <a:t>Slay the spire + GUI</a:t>
             </a:r>
           </a:p>
         </p:txBody>
@@ -4995,33 +4995,15 @@
                                   </p:childTnLst>
                                 </p:cTn>
                               </p:par>
-                            </p:childTnLst>
-                          </p:cTn>
-                        </p:par>
-                      </p:childTnLst>
-                    </p:cTn>
-                  </p:par>
-                  <p:par>
-                    <p:cTn id="23" fill="hold">
-                      <p:stCondLst>
-                        <p:cond delay="indefinite"/>
-                      </p:stCondLst>
-                      <p:childTnLst>
-                        <p:par>
-                          <p:cTn id="24" fill="hold">
-                            <p:stCondLst>
-                              <p:cond delay="0"/>
-                            </p:stCondLst>
-                            <p:childTnLst>
                               <p:par>
-                                <p:cTn id="25" presetID="10" presetClass="entr" presetSubtype="0" fill="hold" nodeType="clickEffect">
+                                <p:cTn id="23" presetID="10" presetClass="entr" presetSubtype="0" fill="hold" nodeType="withEffect">
                                   <p:stCondLst>
                                     <p:cond delay="0"/>
                                   </p:stCondLst>
                                   <p:childTnLst>
                                     <p:set>
                                       <p:cBhvr>
-                                        <p:cTn id="26" dur="1" fill="hold">
+                                        <p:cTn id="24" dur="1" fill="hold">
                                           <p:stCondLst>
                                             <p:cond delay="0"/>
                                           </p:stCondLst>
@@ -5043,7 +5025,7 @@
                                     </p:set>
                                     <p:animEffect transition="in" filter="fade">
                                       <p:cBhvr>
-                                        <p:cTn id="27" dur="500"/>
+                                        <p:cTn id="25" dur="500"/>
                                         <p:tgtEl>
                                           <p:spTgt spid="3">
                                             <p:txEl>
@@ -11155,6 +11137,26 @@
           <a:p>
             <a:r>
               <a:rPr lang="en-US" dirty="0"/>
+              <a:t>Watch use cases</a:t>
+            </a:r>
+          </a:p>
+          <a:p>
+            <a:pPr lvl="1"/>
+            <a:r>
+              <a:rPr lang="en-US" dirty="0"/>
+              <a:t>AABB2 easier think about than Transform</a:t>
+            </a:r>
+          </a:p>
+          <a:p>
+            <a:pPr lvl="1"/>
+            <a:r>
+              <a:rPr lang="en-US" dirty="0"/>
+              <a:t>Do you care about scale in the transform hierarchy?</a:t>
+            </a:r>
+          </a:p>
+          <a:p>
+            <a:r>
+              <a:rPr lang="en-US" dirty="0"/>
               <a:t>Don’t be stubborn</a:t>
             </a:r>
           </a:p>
@@ -11163,19 +11165,6 @@
             <a:r>
               <a:rPr lang="en-US" dirty="0"/>
               <a:t>Rewrite pain points</a:t>
-            </a:r>
-          </a:p>
-          <a:p>
-            <a:r>
-              <a:rPr lang="en-US" dirty="0"/>
-              <a:t>Watch use cases</a:t>
-            </a:r>
-          </a:p>
-          <a:p>
-            <a:pPr lvl="1"/>
-            <a:r>
-              <a:rPr lang="en-US" dirty="0"/>
-              <a:t>AABB2 easier think about than Transform</a:t>
             </a:r>
           </a:p>
         </p:txBody>
@@ -11283,33 +11272,15 @@
                                   </p:childTnLst>
                                 </p:cTn>
                               </p:par>
-                            </p:childTnLst>
-                          </p:cTn>
-                        </p:par>
-                      </p:childTnLst>
-                    </p:cTn>
-                  </p:par>
-                  <p:par>
-                    <p:cTn id="8" fill="hold">
-                      <p:stCondLst>
-                        <p:cond delay="indefinite"/>
-                      </p:stCondLst>
-                      <p:childTnLst>
-                        <p:par>
-                          <p:cTn id="9" fill="hold">
-                            <p:stCondLst>
-                              <p:cond delay="0"/>
-                            </p:stCondLst>
-                            <p:childTnLst>
                               <p:par>
-                                <p:cTn id="10" presetID="10" presetClass="entr" presetSubtype="0" fill="hold" nodeType="clickEffect">
+                                <p:cTn id="8" presetID="10" presetClass="entr" presetSubtype="0" fill="hold" nodeType="withEffect">
                                   <p:stCondLst>
                                     <p:cond delay="0"/>
                                   </p:stCondLst>
                                   <p:childTnLst>
                                     <p:set>
                                       <p:cBhvr>
-                                        <p:cTn id="11" dur="1" fill="hold">
+                                        <p:cTn id="9" dur="1" fill="hold">
                                           <p:stCondLst>
                                             <p:cond delay="0"/>
                                           </p:stCondLst>
@@ -11331,7 +11302,7 @@
                                     </p:set>
                                     <p:animEffect transition="in" filter="fade">
                                       <p:cBhvr>
-                                        <p:cTn id="12" dur="500"/>
+                                        <p:cTn id="10" dur="500"/>
                                         <p:tgtEl>
                                           <p:spTgt spid="3">
                                             <p:txEl>
@@ -11344,33 +11315,15 @@
                                   </p:childTnLst>
                                 </p:cTn>
                               </p:par>
-                            </p:childTnLst>
-                          </p:cTn>
-                        </p:par>
-                      </p:childTnLst>
-                    </p:cTn>
-                  </p:par>
-                  <p:par>
-                    <p:cTn id="13" fill="hold">
-                      <p:stCondLst>
-                        <p:cond delay="indefinite"/>
-                      </p:stCondLst>
-                      <p:childTnLst>
-                        <p:par>
-                          <p:cTn id="14" fill="hold">
-                            <p:stCondLst>
-                              <p:cond delay="0"/>
-                            </p:stCondLst>
-                            <p:childTnLst>
                               <p:par>
-                                <p:cTn id="15" presetID="10" presetClass="entr" presetSubtype="0" fill="hold" nodeType="clickEffect">
+                                <p:cTn id="11" presetID="10" presetClass="entr" presetSubtype="0" fill="hold" nodeType="withEffect">
                                   <p:stCondLst>
                                     <p:cond delay="0"/>
                                   </p:stCondLst>
                                   <p:childTnLst>
                                     <p:set>
                                       <p:cBhvr>
-                                        <p:cTn id="16" dur="1" fill="hold">
+                                        <p:cTn id="12" dur="1" fill="hold">
                                           <p:stCondLst>
                                             <p:cond delay="0"/>
                                           </p:stCondLst>
@@ -11392,7 +11345,7 @@
                                     </p:set>
                                     <p:animEffect transition="in" filter="fade">
                                       <p:cBhvr>
-                                        <p:cTn id="17" dur="500"/>
+                                        <p:cTn id="13" dur="500"/>
                                         <p:tgtEl>
                                           <p:spTgt spid="3">
                                             <p:txEl>
@@ -11412,26 +11365,26 @@
                     </p:cTn>
                   </p:par>
                   <p:par>
-                    <p:cTn id="18" fill="hold">
+                    <p:cTn id="14" fill="hold">
                       <p:stCondLst>
                         <p:cond delay="indefinite"/>
                       </p:stCondLst>
                       <p:childTnLst>
                         <p:par>
-                          <p:cTn id="19" fill="hold">
+                          <p:cTn id="15" fill="hold">
                             <p:stCondLst>
                               <p:cond delay="0"/>
                             </p:stCondLst>
                             <p:childTnLst>
                               <p:par>
-                                <p:cTn id="20" presetID="10" presetClass="entr" presetSubtype="0" fill="hold" nodeType="clickEffect">
+                                <p:cTn id="16" presetID="10" presetClass="entr" presetSubtype="0" fill="hold" nodeType="clickEffect">
                                   <p:stCondLst>
                                     <p:cond delay="0"/>
                                   </p:stCondLst>
                                   <p:childTnLst>
                                     <p:set>
                                       <p:cBhvr>
-                                        <p:cTn id="21" dur="1" fill="hold">
+                                        <p:cTn id="17" dur="1" fill="hold">
                                           <p:stCondLst>
                                             <p:cond delay="0"/>
                                           </p:stCondLst>
@@ -11453,11 +11406,54 @@
                                     </p:set>
                                     <p:animEffect transition="in" filter="fade">
                                       <p:cBhvr>
-                                        <p:cTn id="22" dur="500"/>
+                                        <p:cTn id="18" dur="500"/>
                                         <p:tgtEl>
                                           <p:spTgt spid="3">
                                             <p:txEl>
                                               <p:pRg st="3" end="3"/>
+                                            </p:txEl>
+                                          </p:spTgt>
+                                        </p:tgtEl>
+                                      </p:cBhvr>
+                                    </p:animEffect>
+                                  </p:childTnLst>
+                                </p:cTn>
+                              </p:par>
+                              <p:par>
+                                <p:cTn id="19" presetID="10" presetClass="entr" presetSubtype="0" fill="hold" nodeType="withEffect">
+                                  <p:stCondLst>
+                                    <p:cond delay="0"/>
+                                  </p:stCondLst>
+                                  <p:childTnLst>
+                                    <p:set>
+                                      <p:cBhvr>
+                                        <p:cTn id="20" dur="1" fill="hold">
+                                          <p:stCondLst>
+                                            <p:cond delay="0"/>
+                                          </p:stCondLst>
+                                        </p:cTn>
+                                        <p:tgtEl>
+                                          <p:spTgt spid="3">
+                                            <p:txEl>
+                                              <p:pRg st="4" end="4"/>
+                                            </p:txEl>
+                                          </p:spTgt>
+                                        </p:tgtEl>
+                                        <p:attrNameLst>
+                                          <p:attrName>style.visibility</p:attrName>
+                                        </p:attrNameLst>
+                                      </p:cBhvr>
+                                      <p:to>
+                                        <p:strVal val="visible"/>
+                                      </p:to>
+                                    </p:set>
+                                    <p:animEffect transition="in" filter="fade">
+                                      <p:cBhvr>
+                                        <p:cTn id="21" dur="500"/>
+                                        <p:tgtEl>
+                                          <p:spTgt spid="3">
+                                            <p:txEl>
+                                              <p:pRg st="4" end="4"/>
                                             </p:txEl>
                                           </p:spTgt>
                                         </p:tgtEl>
@@ -12062,6 +12058,23 @@
 </file>
 
 <file path=customXml/item1.xml><?xml version="1.0" encoding="utf-8"?>
+<p:properties xmlns:p="http://schemas.microsoft.com/office/2006/metadata/properties" xmlns:xsi="http://www.w3.org/2001/XMLSchema-instance" xmlns:pc="http://schemas.microsoft.com/office/infopath/2007/PartnerControls">
+  <documentManagement>
+    <MediaServiceKeyPoints xmlns="71af3243-3dd4-4a8d-8c0d-dd76da1f02a5" xsi:nil="true"/>
+  </documentManagement>
+</p:properties>
+</file>
+
+<file path=customXml/item2.xml><?xml version="1.0" encoding="utf-8"?>
+<?mso-contentType ?>
+<FormTemplates xmlns="http://schemas.microsoft.com/sharepoint/v3/contenttype/forms">
+  <Display>DocumentLibraryForm</Display>
+  <Edit>DocumentLibraryForm</Edit>
+  <New>DocumentLibraryForm</New>
+</FormTemplates>
+</file>
+
+<file path=customXml/item3.xml><?xml version="1.0" encoding="utf-8"?>
 <ct:contentTypeSchema xmlns:ct="http://schemas.microsoft.com/office/2006/metadata/contentType" xmlns:ma="http://schemas.microsoft.com/office/2006/metadata/properties/metaAttributes" ct:_="" ma:_="" ma:contentTypeName="Document" ma:contentTypeID="0x01010079F111ED35F8CC479449609E8A0923A6" ma:contentTypeVersion="11" ma:contentTypeDescription="Create a new document." ma:contentTypeScope="" ma:versionID="9677210f24a1be23c92c90fd886aa0aa">
   <xsd:schema xmlns:xsd="http://www.w3.org/2001/XMLSchema" xmlns:xs="http://www.w3.org/2001/XMLSchema" xmlns:p="http://schemas.microsoft.com/office/2006/metadata/properties" xmlns:ns2="71af3243-3dd4-4a8d-8c0d-dd76da1f02a5" xmlns:ns3="16c05727-aa75-4e4a-9b5f-8a80a1165891" targetNamespace="http://schemas.microsoft.com/office/2006/metadata/properties" ma:root="true" ma:fieldsID="60e05723c5c1908df1a1a4ebf11d344e" ns2:_="" ns3:_="">
     <xsd:import namespace="71af3243-3dd4-4a8d-8c0d-dd76da1f02a5"/>
@@ -12272,24 +12285,25 @@
 </ct:contentTypeSchema>
 </file>
 
-<file path=customXml/item2.xml><?xml version="1.0" encoding="utf-8"?>
-<?mso-contentType ?>
-<FormTemplates xmlns="http://schemas.microsoft.com/sharepoint/v3/contenttype/forms">
-  <Display>DocumentLibraryForm</Display>
-  <Edit>DocumentLibraryForm</Edit>
-  <New>DocumentLibraryForm</New>
-</FormTemplates>
+<file path=customXml/itemProps1.xml><?xml version="1.0" encoding="utf-8"?>
+<ds:datastoreItem xmlns:ds="http://schemas.openxmlformats.org/officeDocument/2006/customXml" ds:itemID="{AA7F0652-397B-4F71-B75E-207A80EB2786}">
+  <ds:schemaRefs>
+    <ds:schemaRef ds:uri="http://schemas.microsoft.com/office/2006/metadata/properties"/>
+    <ds:schemaRef ds:uri="http://schemas.microsoft.com/office/infopath/2007/PartnerControls"/>
+    <ds:schemaRef ds:uri="71af3243-3dd4-4a8d-8c0d-dd76da1f02a5"/>
+  </ds:schemaRefs>
+</ds:datastoreItem>
 </file>
 
-<file path=customXml/item3.xml><?xml version="1.0" encoding="utf-8"?>
-<p:properties xmlns:p="http://schemas.microsoft.com/office/2006/metadata/properties" xmlns:xsi="http://www.w3.org/2001/XMLSchema-instance" xmlns:pc="http://schemas.microsoft.com/office/infopath/2007/PartnerControls">
-  <documentManagement>
-    <MediaServiceKeyPoints xmlns="71af3243-3dd4-4a8d-8c0d-dd76da1f02a5" xsi:nil="true"/>
-  </documentManagement>
-</p:properties>
+<file path=customXml/itemProps2.xml><?xml version="1.0" encoding="utf-8"?>
+<ds:datastoreItem xmlns:ds="http://schemas.openxmlformats.org/officeDocument/2006/customXml" ds:itemID="{D1CAB62D-49E5-4271-85C6-1466970BAB69}">
+  <ds:schemaRefs>
+    <ds:schemaRef ds:uri="http://schemas.microsoft.com/sharepoint/v3/contenttype/forms"/>
+  </ds:schemaRefs>
+</ds:datastoreItem>
 </file>
 
-<file path=customXml/itemProps1.xml><?xml version="1.0" encoding="utf-8"?>
+<file path=customXml/itemProps3.xml><?xml version="1.0" encoding="utf-8"?>
 <ds:datastoreItem xmlns:ds="http://schemas.openxmlformats.org/officeDocument/2006/customXml" ds:itemID="{D5A32ED2-6DBA-4E14-851E-DE5772C902F3}">
   <ds:schemaRefs>
     <ds:schemaRef ds:uri="http://schemas.microsoft.com/office/2006/metadata/contentType"/>
@@ -12306,22 +12320,4 @@
     <ds:schemaRef ds:uri="http://schemas.microsoft.com/internal/obd"/>
   </ds:schemaRefs>
 </ds:datastoreItem>
-</file>
-
-<file path=customXml/itemProps2.xml><?xml version="1.0" encoding="utf-8"?>
-<ds:datastoreItem xmlns:ds="http://schemas.openxmlformats.org/officeDocument/2006/customXml" ds:itemID="{D1CAB62D-49E5-4271-85C6-1466970BAB69}">
-  <ds:schemaRefs>
-    <ds:schemaRef ds:uri="http://schemas.microsoft.com/sharepoint/v3/contenttype/forms"/>
-  </ds:schemaRefs>
-</ds:datastoreItem>
-</file>
-
-<file path=customXml/itemProps3.xml><?xml version="1.0" encoding="utf-8"?>
-<ds:datastoreItem xmlns:ds="http://schemas.openxmlformats.org/officeDocument/2006/customXml" ds:itemID="{AA7F0652-397B-4F71-B75E-207A80EB2786}">
-  <ds:schemaRefs>
-    <ds:schemaRef ds:uri="http://schemas.microsoft.com/office/2006/metadata/properties"/>
-    <ds:schemaRef ds:uri="http://schemas.microsoft.com/office/infopath/2007/PartnerControls"/>
-    <ds:schemaRef ds:uri="71af3243-3dd4-4a8d-8c0d-dd76da1f02a5"/>
-  </ds:schemaRefs>
-</ds:datastoreItem>
 </file>